--- a/slides/DRAFT.pptx
+++ b/slides/DRAFT.pptx
@@ -11804,8 +11804,8 @@
           </a:p>
         </p:txBody>
       </p:sp>
-      <mc:AlternateContent xmlns:mc="http://schemas.openxmlformats.org/markup-compatibility/2006">
-        <mc:Choice xmlns:a14="http://schemas.microsoft.com/office/drawing/2010/main" Requires="a14">
+      <mc:AlternateContent xmlns:mc="http://schemas.openxmlformats.org/markup-compatibility/2006" xmlns:a14="http://schemas.microsoft.com/office/drawing/2010/main">
+        <mc:Choice Requires="a14">
           <p:sp>
             <p:nvSpPr>
               <p:cNvPr id="203" name="Google Shape;203;p17"/>
@@ -12497,7 +12497,7 @@
             </p:txBody>
           </p:sp>
         </mc:Choice>
-        <mc:Fallback>
+        <mc:Fallback xmlns="">
           <p:sp>
             <p:nvSpPr>
               <p:cNvPr id="203" name="Google Shape;203;p17"/>
@@ -12723,8 +12723,8 @@
           </a:p>
         </p:txBody>
       </p:sp>
-      <mc:AlternateContent xmlns:mc="http://schemas.openxmlformats.org/markup-compatibility/2006">
-        <mc:Choice xmlns:a14="http://schemas.microsoft.com/office/drawing/2010/main" Requires="a14">
+      <mc:AlternateContent xmlns:mc="http://schemas.openxmlformats.org/markup-compatibility/2006" xmlns:a14="http://schemas.microsoft.com/office/drawing/2010/main">
+        <mc:Choice Requires="a14">
           <p:sp>
             <p:nvSpPr>
               <p:cNvPr id="203" name="Google Shape;203;p17"/>
@@ -13146,7 +13146,7 @@
             </p:txBody>
           </p:sp>
         </mc:Choice>
-        <mc:Fallback>
+        <mc:Fallback xmlns="">
           <p:sp>
             <p:nvSpPr>
               <p:cNvPr id="203" name="Google Shape;203;p17"/>
@@ -13265,8 +13265,8 @@
           </a:p>
         </p:txBody>
       </p:sp>
-      <mc:AlternateContent xmlns:mc="http://schemas.openxmlformats.org/markup-compatibility/2006">
-        <mc:Choice xmlns:a14="http://schemas.microsoft.com/office/drawing/2010/main" Requires="a14">
+      <mc:AlternateContent xmlns:mc="http://schemas.openxmlformats.org/markup-compatibility/2006" xmlns:a14="http://schemas.microsoft.com/office/drawing/2010/main">
+        <mc:Choice Requires="a14">
           <p:sp>
             <p:nvSpPr>
               <p:cNvPr id="15" name="Google Shape;203;p17">
@@ -13852,7 +13852,7 @@
             </p:txBody>
           </p:sp>
         </mc:Choice>
-        <mc:Fallback>
+        <mc:Fallback xmlns="">
           <p:sp>
             <p:nvSpPr>
               <p:cNvPr id="15" name="Google Shape;203;p17">
@@ -15755,7 +15755,7 @@
         <p:spPr>
           <a:xfrm>
             <a:off x="1719944" y="3581042"/>
-            <a:ext cx="2592376" cy="523220"/>
+            <a:ext cx="3337773" cy="307777"/>
           </a:xfrm>
           <a:prstGeom prst="rect">
             <a:avLst/>
@@ -15833,94 +15833,28 @@
                   </a:schemeClr>
                 </a:solidFill>
               </a:rPr>
-              <a:t> essential </a:t>
-            </a:r>
-            <a:br>
-              <a:rPr lang="de-CH" dirty="0">
+              <a:t> essential but </a:t>
+            </a:r>
+            <a:r>
+              <a:rPr lang="de-CH" dirty="0" err="1">
                 <a:solidFill>
                   <a:schemeClr val="accent4">
                     <a:lumMod val="75000"/>
                   </a:schemeClr>
                 </a:solidFill>
               </a:rPr>
-            </a:br>
-            <a:r>
-              <a:rPr lang="de-CH" dirty="0" err="1">
+              <a:t>tricky</a:t>
+            </a:r>
+            <a:r>
+              <a:rPr lang="de-CH" dirty="0">
                 <a:solidFill>
                   <a:schemeClr val="accent4">
                     <a:lumMod val="75000"/>
                   </a:schemeClr>
                 </a:solidFill>
               </a:rPr>
-              <a:t>to</a:t>
-            </a:r>
-            <a:r>
-              <a:rPr lang="de-CH" dirty="0">
-                <a:solidFill>
-                  <a:schemeClr val="accent4">
-                    <a:lumMod val="75000"/>
-                  </a:schemeClr>
-                </a:solidFill>
-              </a:rPr>
-              <a:t> </a:t>
-            </a:r>
-            <a:r>
-              <a:rPr lang="de-CH" dirty="0" err="1">
-                <a:solidFill>
-                  <a:schemeClr val="accent4">
-                    <a:lumMod val="75000"/>
-                  </a:schemeClr>
-                </a:solidFill>
-              </a:rPr>
-              <a:t>make</a:t>
-            </a:r>
-            <a:r>
-              <a:rPr lang="de-CH" dirty="0">
-                <a:solidFill>
-                  <a:schemeClr val="accent4">
-                    <a:lumMod val="75000"/>
-                  </a:schemeClr>
-                </a:solidFill>
-              </a:rPr>
-              <a:t> </a:t>
-            </a:r>
-            <a:r>
-              <a:rPr lang="de-CH" dirty="0" err="1">
-                <a:solidFill>
-                  <a:schemeClr val="accent4">
-                    <a:lumMod val="75000"/>
-                  </a:schemeClr>
-                </a:solidFill>
-              </a:rPr>
-              <a:t>realistic</a:t>
-            </a:r>
-            <a:r>
-              <a:rPr lang="de-CH" dirty="0">
-                <a:solidFill>
-                  <a:schemeClr val="accent4">
-                    <a:lumMod val="75000"/>
-                  </a:schemeClr>
-                </a:solidFill>
-              </a:rPr>
-              <a:t> linear </a:t>
-            </a:r>
-            <a:r>
-              <a:rPr lang="de-CH" dirty="0" err="1">
-                <a:solidFill>
-                  <a:schemeClr val="accent4">
-                    <a:lumMod val="75000"/>
-                  </a:schemeClr>
-                </a:solidFill>
-              </a:rPr>
-              <a:t>models</a:t>
-            </a:r>
-            <a:endParaRPr lang="de-CH" dirty="0">
-              <a:solidFill>
-                <a:schemeClr val="accent4">
-                  <a:lumMod val="75000"/>
-                </a:schemeClr>
-              </a:solidFill>
-            </a:endParaRPr>
+              <a:t>!</a:t>
+            </a:r>
           </a:p>
         </p:txBody>
       </p:sp>
@@ -15987,8 +15921,8 @@
           </a:p>
         </p:txBody>
       </p:sp>
-      <mc:AlternateContent xmlns:mc="http://schemas.openxmlformats.org/markup-compatibility/2006">
-        <mc:Choice xmlns:a14="http://schemas.microsoft.com/office/drawing/2010/main" Requires="a14">
+      <mc:AlternateContent xmlns:mc="http://schemas.openxmlformats.org/markup-compatibility/2006" xmlns:a14="http://schemas.microsoft.com/office/drawing/2010/main">
+        <mc:Choice Requires="a14">
           <p:sp>
             <p:nvSpPr>
               <p:cNvPr id="203" name="Google Shape;203;p17"/>
@@ -16390,7 +16324,7 @@
             </p:txBody>
           </p:sp>
         </mc:Choice>
-        <mc:Fallback>
+        <mc:Fallback xmlns="">
           <p:sp>
             <p:nvSpPr>
               <p:cNvPr id="203" name="Google Shape;203;p17"/>
@@ -17805,8 +17739,8 @@
           </a:p>
         </p:txBody>
       </p:sp>
-      <mc:AlternateContent xmlns:mc="http://schemas.openxmlformats.org/markup-compatibility/2006">
-        <mc:Choice xmlns:a14="http://schemas.microsoft.com/office/drawing/2010/main" Requires="a14">
+      <mc:AlternateContent xmlns:mc="http://schemas.openxmlformats.org/markup-compatibility/2006" xmlns:a14="http://schemas.microsoft.com/office/drawing/2010/main">
+        <mc:Choice Requires="a14">
           <p:sp>
             <p:nvSpPr>
               <p:cNvPr id="203" name="Google Shape;203;p17"/>
@@ -18053,7 +17987,7 @@
             </p:txBody>
           </p:sp>
         </mc:Choice>
-        <mc:Fallback>
+        <mc:Fallback xmlns="">
           <p:sp>
             <p:nvSpPr>
               <p:cNvPr id="203" name="Google Shape;203;p17"/>
@@ -18195,8 +18129,8 @@
           </a:p>
         </p:txBody>
       </p:sp>
-      <mc:AlternateContent xmlns:mc="http://schemas.openxmlformats.org/markup-compatibility/2006">
-        <mc:Choice xmlns:a14="http://schemas.microsoft.com/office/drawing/2010/main" Requires="a14">
+      <mc:AlternateContent xmlns:mc="http://schemas.openxmlformats.org/markup-compatibility/2006" xmlns:a14="http://schemas.microsoft.com/office/drawing/2010/main">
+        <mc:Choice Requires="a14">
           <p:sp>
             <p:nvSpPr>
               <p:cNvPr id="203" name="Google Shape;203;p17"/>
@@ -18621,7 +18555,7 @@
             </p:txBody>
           </p:sp>
         </mc:Choice>
-        <mc:Fallback>
+        <mc:Fallback xmlns="">
           <p:sp>
             <p:nvSpPr>
               <p:cNvPr id="203" name="Google Shape;203;p17"/>
@@ -47157,8 +47091,8 @@
           </a:p>
         </p:txBody>
       </p:sp>
-      <mc:AlternateContent xmlns:mc="http://schemas.openxmlformats.org/markup-compatibility/2006">
-        <mc:Choice xmlns:a14="http://schemas.microsoft.com/office/drawing/2010/main" Requires="a14">
+      <mc:AlternateContent xmlns:mc="http://schemas.openxmlformats.org/markup-compatibility/2006" xmlns:a14="http://schemas.microsoft.com/office/drawing/2010/main">
+        <mc:Choice Requires="a14">
           <p:sp>
             <p:nvSpPr>
               <p:cNvPr id="203" name="Google Shape;203;p17"/>
@@ -47519,7 +47453,7 @@
             </p:txBody>
           </p:sp>
         </mc:Choice>
-        <mc:Fallback>
+        <mc:Fallback xmlns="">
           <p:sp>
             <p:nvSpPr>
               <p:cNvPr id="203" name="Google Shape;203;p17"/>
